--- a/Refactoring/Refactoring.pptx
+++ b/Refactoring/Refactoring.pptx
@@ -233,7 +233,7 @@
           <a:p>
             <a:fld id="{B3323547-336F-481F-8BAB-381D6F29A2F9}" type="datetimeFigureOut">
               <a:rPr lang="zh-CN" altLang="en-US" smtClean="0"/>
-              <a:t>2020/3/16</a:t>
+              <a:t>2020/3/21</a:t>
             </a:fld>
             <a:endParaRPr lang="zh-CN" altLang="en-US"/>
           </a:p>
@@ -669,7 +669,7 @@
           <a:p>
             <a:fld id="{212AF87A-A216-4C97-82F3-F47F8164A505}" type="datetimeFigureOut">
               <a:rPr lang="zh-CN" altLang="en-US" smtClean="0"/>
-              <a:t>2020/3/16</a:t>
+              <a:t>2020/3/21</a:t>
             </a:fld>
             <a:endParaRPr lang="zh-CN" altLang="en-US"/>
           </a:p>
@@ -999,7 +999,7 @@
           <a:p>
             <a:fld id="{212AF87A-A216-4C97-82F3-F47F8164A505}" type="datetimeFigureOut">
               <a:rPr lang="zh-CN" altLang="en-US" smtClean="0"/>
-              <a:t>2020/3/16</a:t>
+              <a:t>2020/3/21</a:t>
             </a:fld>
             <a:endParaRPr lang="zh-CN" altLang="en-US"/>
           </a:p>
@@ -1179,7 +1179,7 @@
           <a:p>
             <a:fld id="{212AF87A-A216-4C97-82F3-F47F8164A505}" type="datetimeFigureOut">
               <a:rPr lang="zh-CN" altLang="en-US" smtClean="0"/>
-              <a:t>2020/3/16</a:t>
+              <a:t>2020/3/21</a:t>
             </a:fld>
             <a:endParaRPr lang="zh-CN" altLang="en-US"/>
           </a:p>
@@ -1349,7 +1349,7 @@
           <a:p>
             <a:fld id="{212AF87A-A216-4C97-82F3-F47F8164A505}" type="datetimeFigureOut">
               <a:rPr lang="zh-CN" altLang="en-US" smtClean="0"/>
-              <a:t>2020/3/16</a:t>
+              <a:t>2020/3/21</a:t>
             </a:fld>
             <a:endParaRPr lang="zh-CN" altLang="en-US"/>
           </a:p>
@@ -1626,7 +1626,7 @@
           <a:p>
             <a:fld id="{212AF87A-A216-4C97-82F3-F47F8164A505}" type="datetimeFigureOut">
               <a:rPr lang="zh-CN" altLang="en-US" smtClean="0"/>
-              <a:t>2020/3/16</a:t>
+              <a:t>2020/3/21</a:t>
             </a:fld>
             <a:endParaRPr lang="zh-CN" altLang="en-US"/>
           </a:p>
@@ -2020,7 +2020,7 @@
           <a:p>
             <a:fld id="{212AF87A-A216-4C97-82F3-F47F8164A505}" type="datetimeFigureOut">
               <a:rPr lang="zh-CN" altLang="en-US" smtClean="0"/>
-              <a:t>2020/3/16</a:t>
+              <a:t>2020/3/21</a:t>
             </a:fld>
             <a:endParaRPr lang="zh-CN" altLang="en-US"/>
           </a:p>
@@ -2497,7 +2497,7 @@
           <a:p>
             <a:fld id="{212AF87A-A216-4C97-82F3-F47F8164A505}" type="datetimeFigureOut">
               <a:rPr lang="zh-CN" altLang="en-US" smtClean="0"/>
-              <a:t>2020/3/16</a:t>
+              <a:t>2020/3/21</a:t>
             </a:fld>
             <a:endParaRPr lang="zh-CN" altLang="en-US"/>
           </a:p>
@@ -2615,7 +2615,7 @@
           <a:p>
             <a:fld id="{212AF87A-A216-4C97-82F3-F47F8164A505}" type="datetimeFigureOut">
               <a:rPr lang="zh-CN" altLang="en-US" smtClean="0"/>
-              <a:t>2020/3/16</a:t>
+              <a:t>2020/3/21</a:t>
             </a:fld>
             <a:endParaRPr lang="zh-CN" altLang="en-US"/>
           </a:p>
@@ -2710,7 +2710,7 @@
           <a:p>
             <a:fld id="{212AF87A-A216-4C97-82F3-F47F8164A505}" type="datetimeFigureOut">
               <a:rPr lang="zh-CN" altLang="en-US" smtClean="0"/>
-              <a:t>2020/3/16</a:t>
+              <a:t>2020/3/21</a:t>
             </a:fld>
             <a:endParaRPr lang="zh-CN" altLang="en-US"/>
           </a:p>
@@ -3056,7 +3056,7 @@
           <a:p>
             <a:fld id="{212AF87A-A216-4C97-82F3-F47F8164A505}" type="datetimeFigureOut">
               <a:rPr lang="zh-CN" altLang="en-US" smtClean="0"/>
-              <a:t>2020/3/16</a:t>
+              <a:t>2020/3/21</a:t>
             </a:fld>
             <a:endParaRPr lang="zh-CN" altLang="en-US"/>
           </a:p>
@@ -3444,7 +3444,7 @@
           <a:p>
             <a:fld id="{212AF87A-A216-4C97-82F3-F47F8164A505}" type="datetimeFigureOut">
               <a:rPr lang="zh-CN" altLang="en-US" smtClean="0"/>
-              <a:t>2020/3/16</a:t>
+              <a:t>2020/3/21</a:t>
             </a:fld>
             <a:endParaRPr lang="zh-CN" altLang="en-US"/>
           </a:p>
@@ -3722,7 +3722,7 @@
           <a:p>
             <a:fld id="{212AF87A-A216-4C97-82F3-F47F8164A505}" type="datetimeFigureOut">
               <a:rPr lang="zh-CN" altLang="en-US" smtClean="0"/>
-              <a:t>2020/3/16</a:t>
+              <a:t>2020/3/21</a:t>
             </a:fld>
             <a:endParaRPr lang="zh-CN" altLang="en-US"/>
           </a:p>
@@ -6131,7 +6131,7 @@
         </p:spPr>
         <p:txBody>
           <a:bodyPr>
-            <a:normAutofit/>
+            <a:normAutofit fontScale="92500" lnSpcReduction="20000"/>
           </a:bodyPr>
           <a:lstStyle/>
           <a:p>
@@ -6270,11 +6270,7 @@
             </a:r>
             <a:r>
               <a:rPr lang="zh-CN" altLang="en-US" dirty="0"/>
-              <a:t>：对于全局变量，可变变量，</a:t>
-            </a:r>
-            <a:r>
-              <a:rPr lang="zh-CN" altLang="en-US"/>
-              <a:t>最好封装，减少耦合度。</a:t>
+              <a:t>：对于全局变量，可变变量，最好封装，减少耦合度。</a:t>
             </a:r>
             <a:endParaRPr lang="en-US" altLang="zh-CN" dirty="0"/>
           </a:p>
@@ -6297,6 +6293,94 @@
             <a:r>
               <a:rPr lang="zh-CN" altLang="en-US" dirty="0"/>
               <a:t>：单函数内，改名最容易；作用域较大的，可先封装变量，再改名。</a:t>
+            </a:r>
+            <a:endParaRPr lang="en-US" altLang="zh-CN" dirty="0"/>
+          </a:p>
+          <a:p>
+            <a:pPr marL="457200" indent="-457200">
+              <a:buAutoNum type="arabicPeriod"/>
+            </a:pPr>
+            <a:r>
+              <a:rPr lang="en-US" altLang="zh-CN" dirty="0"/>
+              <a:t>Introduce Parameter Object(</a:t>
+            </a:r>
+            <a:r>
+              <a:rPr lang="zh-CN" altLang="en-US" dirty="0"/>
+              <a:t>引入参数对象</a:t>
+            </a:r>
+            <a:r>
+              <a:rPr lang="en-US" altLang="zh-CN" dirty="0"/>
+              <a:t>)</a:t>
+            </a:r>
+            <a:r>
+              <a:rPr lang="zh-CN" altLang="en-US" dirty="0"/>
+              <a:t>：函数参数过长，可以封装成对象，类，接口等结构。</a:t>
+            </a:r>
+            <a:endParaRPr lang="en-US" altLang="zh-CN" dirty="0"/>
+          </a:p>
+          <a:p>
+            <a:pPr marL="457200" indent="-457200">
+              <a:buAutoNum type="arabicPeriod"/>
+            </a:pPr>
+            <a:r>
+              <a:rPr lang="en-US" altLang="zh-CN" dirty="0"/>
+              <a:t>Combine Functions into Class(</a:t>
+            </a:r>
+            <a:r>
+              <a:rPr lang="zh-CN" altLang="en-US" dirty="0"/>
+              <a:t>函数组合成类</a:t>
+            </a:r>
+            <a:r>
+              <a:rPr lang="en-US" altLang="zh-CN" dirty="0"/>
+              <a:t>)</a:t>
+            </a:r>
+            <a:r>
+              <a:rPr lang="zh-CN" altLang="en-US" dirty="0"/>
+              <a:t>：多个函数操作同一块数据，可以把这几个函数和数据块封装成类，便于管理和扩展。</a:t>
+            </a:r>
+            <a:endParaRPr lang="en-US" altLang="zh-CN" dirty="0"/>
+          </a:p>
+          <a:p>
+            <a:pPr marL="457200" indent="-457200">
+              <a:buAutoNum type="arabicPeriod"/>
+            </a:pPr>
+            <a:r>
+              <a:rPr lang="en-US" altLang="zh-CN" dirty="0"/>
+              <a:t>Combine Functions into Transform(</a:t>
+            </a:r>
+            <a:r>
+              <a:rPr lang="zh-CN" altLang="en-US" dirty="0"/>
+              <a:t>函数组合成变换</a:t>
+            </a:r>
+            <a:r>
+              <a:rPr lang="en-US" altLang="zh-CN" dirty="0"/>
+              <a:t>)</a:t>
+            </a:r>
+            <a:r>
+              <a:rPr lang="zh-CN" altLang="en-US" dirty="0"/>
+              <a:t>：一个数据块是多个函数处理的结果，把这几个函数放入一个函数内，返回处理后的数据块。</a:t>
+            </a:r>
+            <a:endParaRPr lang="en-US" altLang="zh-CN" dirty="0"/>
+          </a:p>
+          <a:p>
+            <a:pPr marL="457200" indent="-457200">
+              <a:buAutoNum type="arabicPeriod"/>
+            </a:pPr>
+            <a:r>
+              <a:rPr lang="en-US" altLang="zh-CN" dirty="0"/>
+              <a:t>Split Phase(</a:t>
+            </a:r>
+            <a:r>
+              <a:rPr lang="zh-CN" altLang="en-US" dirty="0"/>
+              <a:t>拆分阶段</a:t>
+            </a:r>
+            <a:r>
+              <a:rPr lang="en-US" altLang="zh-CN" dirty="0"/>
+              <a:t>)</a:t>
+            </a:r>
+            <a:r>
+              <a:rPr lang="zh-CN" altLang="en-US" dirty="0"/>
+              <a:t>：一段代码同时处理两件不同的事，按功能逻辑拆分成两个模块，可用中转数据结构传递数据。（类似提炼函数）</a:t>
             </a:r>
           </a:p>
         </p:txBody>

--- a/Refactoring/Refactoring.pptx
+++ b/Refactoring/Refactoring.pptx
@@ -5,7 +5,7 @@
     <p:sldMasterId id="2147483712" r:id="rId1"/>
   </p:sldMasterIdLst>
   <p:notesMasterIdLst>
-    <p:notesMasterId r:id="rId15"/>
+    <p:notesMasterId r:id="rId16"/>
   </p:notesMasterIdLst>
   <p:sldIdLst>
     <p:sldId id="256" r:id="rId2"/>
@@ -16,11 +16,12 @@
     <p:sldId id="261" r:id="rId7"/>
     <p:sldId id="269" r:id="rId8"/>
     <p:sldId id="260" r:id="rId9"/>
-    <p:sldId id="264" r:id="rId10"/>
-    <p:sldId id="267" r:id="rId11"/>
-    <p:sldId id="266" r:id="rId12"/>
-    <p:sldId id="265" r:id="rId13"/>
-    <p:sldId id="268" r:id="rId14"/>
+    <p:sldId id="270" r:id="rId10"/>
+    <p:sldId id="264" r:id="rId11"/>
+    <p:sldId id="267" r:id="rId12"/>
+    <p:sldId id="266" r:id="rId13"/>
+    <p:sldId id="265" r:id="rId14"/>
+    <p:sldId id="268" r:id="rId15"/>
   </p:sldIdLst>
   <p:sldSz cx="12192000" cy="6858000"/>
   <p:notesSz cx="6858000" cy="9144000"/>
@@ -132,6 +133,7 @@
             <p14:sldId id="261"/>
             <p14:sldId id="269"/>
             <p14:sldId id="260"/>
+            <p14:sldId id="270"/>
             <p14:sldId id="264"/>
             <p14:sldId id="267"/>
             <p14:sldId id="266"/>
@@ -233,7 +235,7 @@
           <a:p>
             <a:fld id="{B3323547-336F-481F-8BAB-381D6F29A2F9}" type="datetimeFigureOut">
               <a:rPr lang="zh-CN" altLang="en-US" smtClean="0"/>
-              <a:t>2020/3/21</a:t>
+              <a:t>2020/3/22</a:t>
             </a:fld>
             <a:endParaRPr lang="zh-CN" altLang="en-US"/>
           </a:p>
@@ -669,7 +671,7 @@
           <a:p>
             <a:fld id="{212AF87A-A216-4C97-82F3-F47F8164A505}" type="datetimeFigureOut">
               <a:rPr lang="zh-CN" altLang="en-US" smtClean="0"/>
-              <a:t>2020/3/21</a:t>
+              <a:t>2020/3/22</a:t>
             </a:fld>
             <a:endParaRPr lang="zh-CN" altLang="en-US"/>
           </a:p>
@@ -999,7 +1001,7 @@
           <a:p>
             <a:fld id="{212AF87A-A216-4C97-82F3-F47F8164A505}" type="datetimeFigureOut">
               <a:rPr lang="zh-CN" altLang="en-US" smtClean="0"/>
-              <a:t>2020/3/21</a:t>
+              <a:t>2020/3/22</a:t>
             </a:fld>
             <a:endParaRPr lang="zh-CN" altLang="en-US"/>
           </a:p>
@@ -1179,7 +1181,7 @@
           <a:p>
             <a:fld id="{212AF87A-A216-4C97-82F3-F47F8164A505}" type="datetimeFigureOut">
               <a:rPr lang="zh-CN" altLang="en-US" smtClean="0"/>
-              <a:t>2020/3/21</a:t>
+              <a:t>2020/3/22</a:t>
             </a:fld>
             <a:endParaRPr lang="zh-CN" altLang="en-US"/>
           </a:p>
@@ -1349,7 +1351,7 @@
           <a:p>
             <a:fld id="{212AF87A-A216-4C97-82F3-F47F8164A505}" type="datetimeFigureOut">
               <a:rPr lang="zh-CN" altLang="en-US" smtClean="0"/>
-              <a:t>2020/3/21</a:t>
+              <a:t>2020/3/22</a:t>
             </a:fld>
             <a:endParaRPr lang="zh-CN" altLang="en-US"/>
           </a:p>
@@ -1626,7 +1628,7 @@
           <a:p>
             <a:fld id="{212AF87A-A216-4C97-82F3-F47F8164A505}" type="datetimeFigureOut">
               <a:rPr lang="zh-CN" altLang="en-US" smtClean="0"/>
-              <a:t>2020/3/21</a:t>
+              <a:t>2020/3/22</a:t>
             </a:fld>
             <a:endParaRPr lang="zh-CN" altLang="en-US"/>
           </a:p>
@@ -2020,7 +2022,7 @@
           <a:p>
             <a:fld id="{212AF87A-A216-4C97-82F3-F47F8164A505}" type="datetimeFigureOut">
               <a:rPr lang="zh-CN" altLang="en-US" smtClean="0"/>
-              <a:t>2020/3/21</a:t>
+              <a:t>2020/3/22</a:t>
             </a:fld>
             <a:endParaRPr lang="zh-CN" altLang="en-US"/>
           </a:p>
@@ -2497,7 +2499,7 @@
           <a:p>
             <a:fld id="{212AF87A-A216-4C97-82F3-F47F8164A505}" type="datetimeFigureOut">
               <a:rPr lang="zh-CN" altLang="en-US" smtClean="0"/>
-              <a:t>2020/3/21</a:t>
+              <a:t>2020/3/22</a:t>
             </a:fld>
             <a:endParaRPr lang="zh-CN" altLang="en-US"/>
           </a:p>
@@ -2615,7 +2617,7 @@
           <a:p>
             <a:fld id="{212AF87A-A216-4C97-82F3-F47F8164A505}" type="datetimeFigureOut">
               <a:rPr lang="zh-CN" altLang="en-US" smtClean="0"/>
-              <a:t>2020/3/21</a:t>
+              <a:t>2020/3/22</a:t>
             </a:fld>
             <a:endParaRPr lang="zh-CN" altLang="en-US"/>
           </a:p>
@@ -2710,7 +2712,7 @@
           <a:p>
             <a:fld id="{212AF87A-A216-4C97-82F3-F47F8164A505}" type="datetimeFigureOut">
               <a:rPr lang="zh-CN" altLang="en-US" smtClean="0"/>
-              <a:t>2020/3/21</a:t>
+              <a:t>2020/3/22</a:t>
             </a:fld>
             <a:endParaRPr lang="zh-CN" altLang="en-US"/>
           </a:p>
@@ -3056,7 +3058,7 @@
           <a:p>
             <a:fld id="{212AF87A-A216-4C97-82F3-F47F8164A505}" type="datetimeFigureOut">
               <a:rPr lang="zh-CN" altLang="en-US" smtClean="0"/>
-              <a:t>2020/3/21</a:t>
+              <a:t>2020/3/22</a:t>
             </a:fld>
             <a:endParaRPr lang="zh-CN" altLang="en-US"/>
           </a:p>
@@ -3444,7 +3446,7 @@
           <a:p>
             <a:fld id="{212AF87A-A216-4C97-82F3-F47F8164A505}" type="datetimeFigureOut">
               <a:rPr lang="zh-CN" altLang="en-US" smtClean="0"/>
-              <a:t>2020/3/21</a:t>
+              <a:t>2020/3/22</a:t>
             </a:fld>
             <a:endParaRPr lang="zh-CN" altLang="en-US"/>
           </a:p>
@@ -3722,7 +3724,7 @@
           <a:p>
             <a:fld id="{212AF87A-A216-4C97-82F3-F47F8164A505}" type="datetimeFigureOut">
               <a:rPr lang="zh-CN" altLang="en-US" smtClean="0"/>
-              <a:t>2020/3/21</a:t>
+              <a:t>2020/3/22</a:t>
             </a:fld>
             <a:endParaRPr lang="zh-CN" altLang="en-US"/>
           </a:p>
@@ -4371,11 +4373,11 @@
           <a:p>
             <a:r>
               <a:rPr lang="zh-CN" altLang="en-US" dirty="0"/>
-              <a:t>重新组织数据</a:t>
+              <a:t>搬移特性</a:t>
             </a:r>
             <a:r>
               <a:rPr lang="en-US" altLang="zh-CN" sz="1400" dirty="0"/>
-              <a:t>(P239)</a:t>
+              <a:t>(P197)</a:t>
             </a:r>
             <a:endParaRPr lang="zh-CN" altLang="en-US" sz="1400" dirty="0"/>
           </a:p>
@@ -4409,31 +4411,55 @@
           <a:p>
             <a:r>
               <a:rPr lang="en-US" altLang="zh-CN" dirty="0"/>
-              <a:t>Split Variable</a:t>
-            </a:r>
-          </a:p>
-          <a:p>
-            <a:r>
-              <a:rPr lang="en-US" altLang="zh-CN" dirty="0"/>
-              <a:t>Rename Field</a:t>
-            </a:r>
-          </a:p>
-          <a:p>
-            <a:r>
-              <a:rPr lang="en-US" altLang="zh-CN" dirty="0"/>
-              <a:t>Replace Derived Variable with Query</a:t>
-            </a:r>
-          </a:p>
-          <a:p>
-            <a:r>
-              <a:rPr lang="en-US" altLang="zh-CN" dirty="0"/>
-              <a:t>Change Reference to Value</a:t>
-            </a:r>
-          </a:p>
-          <a:p>
-            <a:r>
-              <a:rPr lang="en-US" altLang="zh-CN" dirty="0"/>
-              <a:t>Change Value to Reference</a:t>
+              <a:t>Move Function</a:t>
+            </a:r>
+          </a:p>
+          <a:p>
+            <a:r>
+              <a:rPr lang="en-US" altLang="zh-CN" dirty="0"/>
+              <a:t>Move Field</a:t>
+            </a:r>
+          </a:p>
+          <a:p>
+            <a:r>
+              <a:rPr lang="en-US" altLang="zh-CN" dirty="0"/>
+              <a:t>Move Statements into Function</a:t>
+            </a:r>
+          </a:p>
+          <a:p>
+            <a:r>
+              <a:rPr lang="en-US" altLang="zh-CN" dirty="0"/>
+              <a:t>Move Statements into Callers</a:t>
+            </a:r>
+          </a:p>
+          <a:p>
+            <a:r>
+              <a:rPr lang="en-US" altLang="zh-CN" dirty="0"/>
+              <a:t>Replace Inline Code with Function Call</a:t>
+            </a:r>
+          </a:p>
+          <a:p>
+            <a:r>
+              <a:rPr lang="en-US" altLang="zh-CN" dirty="0"/>
+              <a:t>Slide Statements</a:t>
+            </a:r>
+          </a:p>
+          <a:p>
+            <a:r>
+              <a:rPr lang="en-US" altLang="zh-CN" dirty="0"/>
+              <a:t>Split Loop</a:t>
+            </a:r>
+          </a:p>
+          <a:p>
+            <a:r>
+              <a:rPr lang="en-US" altLang="zh-CN" dirty="0"/>
+              <a:t>Replace Loop with Pipeline</a:t>
+            </a:r>
+          </a:p>
+          <a:p>
+            <a:r>
+              <a:rPr lang="en-US" altLang="zh-CN" dirty="0"/>
+              <a:t>Remove Dead Code</a:t>
             </a:r>
             <a:endParaRPr lang="zh-CN" altLang="en-US" dirty="0"/>
           </a:p>
@@ -4442,7 +4468,7 @@
     </p:spTree>
     <p:extLst>
       <p:ext uri="{BB962C8B-B14F-4D97-AF65-F5344CB8AC3E}">
-        <p14:creationId xmlns:p14="http://schemas.microsoft.com/office/powerpoint/2010/main" val="473579163"/>
+        <p14:creationId xmlns:p14="http://schemas.microsoft.com/office/powerpoint/2010/main" val="3402193876"/>
       </p:ext>
     </p:extLst>
   </p:cSld>
@@ -4497,11 +4523,11 @@
           <a:p>
             <a:r>
               <a:rPr lang="zh-CN" altLang="en-US" dirty="0"/>
-              <a:t>简化条件逻辑</a:t>
+              <a:t>重新组织数据</a:t>
             </a:r>
             <a:r>
               <a:rPr lang="en-US" altLang="zh-CN" sz="1400" dirty="0"/>
-              <a:t>(P259)</a:t>
+              <a:t>(P239)</a:t>
             </a:r>
             <a:endParaRPr lang="zh-CN" altLang="en-US" sz="1400" dirty="0"/>
           </a:p>
@@ -4535,37 +4561,31 @@
           <a:p>
             <a:r>
               <a:rPr lang="en-US" altLang="zh-CN" dirty="0"/>
-              <a:t>Decompose Conditional</a:t>
-            </a:r>
-          </a:p>
-          <a:p>
-            <a:r>
-              <a:rPr lang="en-US" altLang="zh-CN" dirty="0"/>
-              <a:t>Consolidate Conditional Expression</a:t>
-            </a:r>
-          </a:p>
-          <a:p>
-            <a:r>
-              <a:rPr lang="en-US" altLang="zh-CN" dirty="0"/>
-              <a:t>Replace Nested Conditional with Guard Clauses</a:t>
-            </a:r>
-          </a:p>
-          <a:p>
-            <a:r>
-              <a:rPr lang="en-US" altLang="zh-CN" dirty="0"/>
-              <a:t>Replace Conditional With Polymorphism</a:t>
-            </a:r>
-          </a:p>
-          <a:p>
-            <a:r>
-              <a:rPr lang="en-US" altLang="zh-CN" dirty="0"/>
-              <a:t>Introduce Special Case</a:t>
-            </a:r>
-          </a:p>
-          <a:p>
-            <a:r>
-              <a:rPr lang="en-US" altLang="zh-CN" dirty="0"/>
-              <a:t>Introduce Assertion</a:t>
+              <a:t>Split Variable</a:t>
+            </a:r>
+          </a:p>
+          <a:p>
+            <a:r>
+              <a:rPr lang="en-US" altLang="zh-CN" dirty="0"/>
+              <a:t>Rename Field</a:t>
+            </a:r>
+          </a:p>
+          <a:p>
+            <a:r>
+              <a:rPr lang="en-US" altLang="zh-CN" dirty="0"/>
+              <a:t>Replace Derived Variable with Query</a:t>
+            </a:r>
+          </a:p>
+          <a:p>
+            <a:r>
+              <a:rPr lang="en-US" altLang="zh-CN" dirty="0"/>
+              <a:t>Change Reference to Value</a:t>
+            </a:r>
+          </a:p>
+          <a:p>
+            <a:r>
+              <a:rPr lang="en-US" altLang="zh-CN" dirty="0"/>
+              <a:t>Change Value to Reference</a:t>
             </a:r>
             <a:endParaRPr lang="zh-CN" altLang="en-US" dirty="0"/>
           </a:p>
@@ -4574,7 +4594,7 @@
     </p:spTree>
     <p:extLst>
       <p:ext uri="{BB962C8B-B14F-4D97-AF65-F5344CB8AC3E}">
-        <p14:creationId xmlns:p14="http://schemas.microsoft.com/office/powerpoint/2010/main" val="2725135554"/>
+        <p14:creationId xmlns:p14="http://schemas.microsoft.com/office/powerpoint/2010/main" val="473579163"/>
       </p:ext>
     </p:extLst>
   </p:cSld>
@@ -4629,6 +4649,138 @@
           <a:p>
             <a:r>
               <a:rPr lang="zh-CN" altLang="en-US" dirty="0"/>
+              <a:t>简化条件逻辑</a:t>
+            </a:r>
+            <a:r>
+              <a:rPr lang="en-US" altLang="zh-CN" sz="1400" dirty="0"/>
+              <a:t>(P259)</a:t>
+            </a:r>
+            <a:endParaRPr lang="zh-CN" altLang="en-US" sz="1400" dirty="0"/>
+          </a:p>
+        </p:txBody>
+      </p:sp>
+      <p:sp>
+        <p:nvSpPr>
+          <p:cNvPr id="3" name="内容占位符 2">
+            <a:extLst>
+              <a:ext uri="{FF2B5EF4-FFF2-40B4-BE49-F238E27FC236}">
+                <a16:creationId xmlns:a16="http://schemas.microsoft.com/office/drawing/2014/main" id="{B40ECA2E-2349-4F30-917F-93A0D20F4499}"/>
+              </a:ext>
+            </a:extLst>
+          </p:cNvPr>
+          <p:cNvSpPr>
+            <a:spLocks noGrp="1"/>
+          </p:cNvSpPr>
+          <p:nvPr>
+            <p:ph idx="1"/>
+          </p:nvPr>
+        </p:nvSpPr>
+        <p:spPr>
+          <a:xfrm>
+            <a:off x="2589212" y="1600200"/>
+            <a:ext cx="8915400" cy="4311022"/>
+          </a:xfrm>
+        </p:spPr>
+        <p:txBody>
+          <a:bodyPr/>
+          <a:lstStyle/>
+          <a:p>
+            <a:r>
+              <a:rPr lang="en-US" altLang="zh-CN" dirty="0"/>
+              <a:t>Decompose Conditional</a:t>
+            </a:r>
+          </a:p>
+          <a:p>
+            <a:r>
+              <a:rPr lang="en-US" altLang="zh-CN" dirty="0"/>
+              <a:t>Consolidate Conditional Expression</a:t>
+            </a:r>
+          </a:p>
+          <a:p>
+            <a:r>
+              <a:rPr lang="en-US" altLang="zh-CN" dirty="0"/>
+              <a:t>Replace Nested Conditional with Guard Clauses</a:t>
+            </a:r>
+          </a:p>
+          <a:p>
+            <a:r>
+              <a:rPr lang="en-US" altLang="zh-CN" dirty="0"/>
+              <a:t>Replace Conditional With Polymorphism</a:t>
+            </a:r>
+          </a:p>
+          <a:p>
+            <a:r>
+              <a:rPr lang="en-US" altLang="zh-CN" dirty="0"/>
+              <a:t>Introduce Special Case</a:t>
+            </a:r>
+          </a:p>
+          <a:p>
+            <a:r>
+              <a:rPr lang="en-US" altLang="zh-CN" dirty="0"/>
+              <a:t>Introduce Assertion</a:t>
+            </a:r>
+            <a:endParaRPr lang="zh-CN" altLang="en-US" dirty="0"/>
+          </a:p>
+        </p:txBody>
+      </p:sp>
+    </p:spTree>
+    <p:extLst>
+      <p:ext uri="{BB962C8B-B14F-4D97-AF65-F5344CB8AC3E}">
+        <p14:creationId xmlns:p14="http://schemas.microsoft.com/office/powerpoint/2010/main" val="2725135554"/>
+      </p:ext>
+    </p:extLst>
+  </p:cSld>
+  <p:clrMapOvr>
+    <a:masterClrMapping/>
+  </p:clrMapOvr>
+</p:sld>
+</file>
+
+<file path=ppt/slides/slide13.xml><?xml version="1.0" encoding="utf-8"?>
+<p:sld xmlns:a="http://schemas.openxmlformats.org/drawingml/2006/main" xmlns:r="http://schemas.openxmlformats.org/officeDocument/2006/relationships" xmlns:p="http://schemas.openxmlformats.org/presentationml/2006/main">
+  <p:cSld>
+    <p:spTree>
+      <p:nvGrpSpPr>
+        <p:cNvPr id="1" name=""/>
+        <p:cNvGrpSpPr/>
+        <p:nvPr/>
+      </p:nvGrpSpPr>
+      <p:grpSpPr>
+        <a:xfrm>
+          <a:off x="0" y="0"/>
+          <a:ext cx="0" cy="0"/>
+          <a:chOff x="0" y="0"/>
+          <a:chExt cx="0" cy="0"/>
+        </a:xfrm>
+      </p:grpSpPr>
+      <p:sp>
+        <p:nvSpPr>
+          <p:cNvPr id="2" name="标题 1">
+            <a:extLst>
+              <a:ext uri="{FF2B5EF4-FFF2-40B4-BE49-F238E27FC236}">
+                <a16:creationId xmlns:a16="http://schemas.microsoft.com/office/drawing/2014/main" id="{0D15DD37-1097-4691-9E95-7BA26E4170AB}"/>
+              </a:ext>
+            </a:extLst>
+          </p:cNvPr>
+          <p:cNvSpPr>
+            <a:spLocks noGrp="1"/>
+          </p:cNvSpPr>
+          <p:nvPr>
+            <p:ph type="title"/>
+          </p:nvPr>
+        </p:nvSpPr>
+        <p:spPr>
+          <a:xfrm>
+            <a:off x="2592925" y="624110"/>
+            <a:ext cx="8911687" cy="806757"/>
+          </a:xfrm>
+        </p:spPr>
+        <p:txBody>
+          <a:bodyPr/>
+          <a:lstStyle/>
+          <a:p>
+            <a:r>
+              <a:rPr lang="zh-CN" altLang="en-US" dirty="0"/>
               <a:t>重构</a:t>
             </a:r>
             <a:r>
@@ -4746,7 +4898,7 @@
 </p:sld>
 </file>
 
-<file path=ppt/slides/slide13.xml><?xml version="1.0" encoding="utf-8"?>
+<file path=ppt/slides/slide14.xml><?xml version="1.0" encoding="utf-8"?>
 <p:sld xmlns:a="http://schemas.openxmlformats.org/drawingml/2006/main" xmlns:r="http://schemas.openxmlformats.org/officeDocument/2006/relationships" xmlns:p="http://schemas.openxmlformats.org/presentationml/2006/main">
   <p:cSld>
     <p:spTree>
@@ -6567,44 +6719,6 @@
       </p:grpSpPr>
       <p:sp>
         <p:nvSpPr>
-          <p:cNvPr id="2" name="标题 1">
-            <a:extLst>
-              <a:ext uri="{FF2B5EF4-FFF2-40B4-BE49-F238E27FC236}">
-                <a16:creationId xmlns:a16="http://schemas.microsoft.com/office/drawing/2014/main" id="{0D15DD37-1097-4691-9E95-7BA26E4170AB}"/>
-              </a:ext>
-            </a:extLst>
-          </p:cNvPr>
-          <p:cNvSpPr>
-            <a:spLocks noGrp="1"/>
-          </p:cNvSpPr>
-          <p:nvPr>
-            <p:ph type="title"/>
-          </p:nvPr>
-        </p:nvSpPr>
-        <p:spPr>
-          <a:xfrm>
-            <a:off x="2592925" y="624110"/>
-            <a:ext cx="8911687" cy="806757"/>
-          </a:xfrm>
-        </p:spPr>
-        <p:txBody>
-          <a:bodyPr/>
-          <a:lstStyle/>
-          <a:p>
-            <a:r>
-              <a:rPr lang="zh-CN" altLang="en-US" dirty="0"/>
-              <a:t>搬移特性</a:t>
-            </a:r>
-            <a:r>
-              <a:rPr lang="en-US" altLang="zh-CN" sz="1400" dirty="0"/>
-              <a:t>(P197)</a:t>
-            </a:r>
-            <a:endParaRPr lang="zh-CN" altLang="en-US" sz="1400" dirty="0"/>
-          </a:p>
-        </p:txBody>
-      </p:sp>
-      <p:sp>
-        <p:nvSpPr>
           <p:cNvPr id="3" name="内容占位符 2">
             <a:extLst>
               <a:ext uri="{FF2B5EF4-FFF2-40B4-BE49-F238E27FC236}">
@@ -6621,65 +6735,33 @@
         </p:nvSpPr>
         <p:spPr>
           <a:xfrm>
-            <a:off x="2589212" y="1600200"/>
-            <a:ext cx="8915400" cy="4311022"/>
+            <a:off x="1405467" y="110067"/>
+            <a:ext cx="10099145" cy="6612466"/>
           </a:xfrm>
         </p:spPr>
         <p:txBody>
           <a:bodyPr/>
           <a:lstStyle/>
           <a:p>
-            <a:r>
-              <a:rPr lang="en-US" altLang="zh-CN" dirty="0"/>
-              <a:t>Move Function</a:t>
-            </a:r>
-          </a:p>
-          <a:p>
-            <a:r>
-              <a:rPr lang="en-US" altLang="zh-CN" dirty="0"/>
-              <a:t>Move Field</a:t>
-            </a:r>
-          </a:p>
-          <a:p>
-            <a:r>
-              <a:rPr lang="en-US" altLang="zh-CN" dirty="0"/>
-              <a:t>Move Statements into Function</a:t>
-            </a:r>
-          </a:p>
-          <a:p>
-            <a:r>
-              <a:rPr lang="en-US" altLang="zh-CN" dirty="0"/>
-              <a:t>Move Statements into Callers</a:t>
-            </a:r>
-          </a:p>
-          <a:p>
-            <a:r>
-              <a:rPr lang="en-US" altLang="zh-CN" dirty="0"/>
-              <a:t>Replace Inline Code with Function Call</a:t>
-            </a:r>
-          </a:p>
-          <a:p>
-            <a:r>
-              <a:rPr lang="en-US" altLang="zh-CN" dirty="0"/>
-              <a:t>Slide Statements</a:t>
-            </a:r>
-          </a:p>
-          <a:p>
-            <a:r>
-              <a:rPr lang="en-US" altLang="zh-CN" dirty="0"/>
-              <a:t>Split Loop</a:t>
-            </a:r>
-          </a:p>
-          <a:p>
-            <a:r>
-              <a:rPr lang="en-US" altLang="zh-CN" dirty="0"/>
-              <a:t>Replace Loop with Pipeline</a:t>
-            </a:r>
-          </a:p>
-          <a:p>
-            <a:r>
-              <a:rPr lang="en-US" altLang="zh-CN" dirty="0"/>
-              <a:t>Remove Dead Code</a:t>
+            <a:pPr marL="457200" indent="-457200">
+              <a:buFont typeface="+mj-lt"/>
+              <a:buAutoNum type="arabicPeriod"/>
+            </a:pPr>
+            <a:r>
+              <a:rPr lang="en-US" altLang="zh-CN" dirty="0"/>
+              <a:t>Encapsulate Record(</a:t>
+            </a:r>
+            <a:r>
+              <a:rPr lang="zh-CN" altLang="en-US" dirty="0"/>
+              <a:t>封装记录</a:t>
+            </a:r>
+            <a:r>
+              <a:rPr lang="en-US" altLang="zh-CN" dirty="0"/>
+              <a:t>)</a:t>
+            </a:r>
+            <a:r>
+              <a:rPr lang="zh-CN" altLang="en-US"/>
+              <a:t>：与封装变量相似，封装记录是封装成类，封装变量一般是封装成函数。</a:t>
             </a:r>
             <a:endParaRPr lang="zh-CN" altLang="en-US" dirty="0"/>
           </a:p>
@@ -6688,7 +6770,7 @@
     </p:spTree>
     <p:extLst>
       <p:ext uri="{BB962C8B-B14F-4D97-AF65-F5344CB8AC3E}">
-        <p14:creationId xmlns:p14="http://schemas.microsoft.com/office/powerpoint/2010/main" val="3402193876"/>
+        <p14:creationId xmlns:p14="http://schemas.microsoft.com/office/powerpoint/2010/main" val="728693237"/>
       </p:ext>
     </p:extLst>
   </p:cSld>

--- a/Refactoring/Refactoring.pptx
+++ b/Refactoring/Refactoring.pptx
@@ -6760,8 +6760,31 @@
               <a:t>)</a:t>
             </a:r>
             <a:r>
+              <a:rPr lang="zh-CN" altLang="en-US" dirty="0"/>
+              <a:t>：与封装变量相似，封装记录是封装成类，封装变量一般是封装成函数。</a:t>
+            </a:r>
+            <a:endParaRPr lang="en-US" altLang="zh-CN" dirty="0"/>
+          </a:p>
+          <a:p>
+            <a:pPr marL="457200" indent="-457200">
+              <a:buFont typeface="+mj-lt"/>
+              <a:buAutoNum type="arabicPeriod"/>
+            </a:pPr>
+            <a:r>
+              <a:rPr lang="en-US" altLang="zh-CN" dirty="0"/>
+              <a:t>Encapsulate Collection(</a:t>
+            </a:r>
+            <a:r>
+              <a:rPr lang="zh-CN" altLang="en-US" dirty="0"/>
+              <a:t>封装集合</a:t>
+            </a:r>
+            <a:r>
+              <a:rPr lang="en-US" altLang="zh-CN" dirty="0"/>
+              <a:t>)</a:t>
+            </a:r>
+            <a:r>
               <a:rPr lang="zh-CN" altLang="en-US"/>
-              <a:t>：与封装变量相似，封装记录是封装成类，封装变量一般是封装成函数。</a:t>
+              <a:t>：集合包括数组等。封装对集合的访问和设值，可以通过函数返回集合的一个副本。</a:t>
             </a:r>
             <a:endParaRPr lang="zh-CN" altLang="en-US" dirty="0"/>
           </a:p>

--- a/Refactoring/Refactoring.pptx
+++ b/Refactoring/Refactoring.pptx
@@ -235,7 +235,7 @@
           <a:p>
             <a:fld id="{B3323547-336F-481F-8BAB-381D6F29A2F9}" type="datetimeFigureOut">
               <a:rPr lang="zh-CN" altLang="en-US" smtClean="0"/>
-              <a:t>2020/3/22</a:t>
+              <a:t>2020/6/15</a:t>
             </a:fld>
             <a:endParaRPr lang="zh-CN" altLang="en-US"/>
           </a:p>
@@ -671,7 +671,7 @@
           <a:p>
             <a:fld id="{212AF87A-A216-4C97-82F3-F47F8164A505}" type="datetimeFigureOut">
               <a:rPr lang="zh-CN" altLang="en-US" smtClean="0"/>
-              <a:t>2020/3/22</a:t>
+              <a:t>2020/6/15</a:t>
             </a:fld>
             <a:endParaRPr lang="zh-CN" altLang="en-US"/>
           </a:p>
@@ -1001,7 +1001,7 @@
           <a:p>
             <a:fld id="{212AF87A-A216-4C97-82F3-F47F8164A505}" type="datetimeFigureOut">
               <a:rPr lang="zh-CN" altLang="en-US" smtClean="0"/>
-              <a:t>2020/3/22</a:t>
+              <a:t>2020/6/15</a:t>
             </a:fld>
             <a:endParaRPr lang="zh-CN" altLang="en-US"/>
           </a:p>
@@ -1181,7 +1181,7 @@
           <a:p>
             <a:fld id="{212AF87A-A216-4C97-82F3-F47F8164A505}" type="datetimeFigureOut">
               <a:rPr lang="zh-CN" altLang="en-US" smtClean="0"/>
-              <a:t>2020/3/22</a:t>
+              <a:t>2020/6/15</a:t>
             </a:fld>
             <a:endParaRPr lang="zh-CN" altLang="en-US"/>
           </a:p>
@@ -1351,7 +1351,7 @@
           <a:p>
             <a:fld id="{212AF87A-A216-4C97-82F3-F47F8164A505}" type="datetimeFigureOut">
               <a:rPr lang="zh-CN" altLang="en-US" smtClean="0"/>
-              <a:t>2020/3/22</a:t>
+              <a:t>2020/6/15</a:t>
             </a:fld>
             <a:endParaRPr lang="zh-CN" altLang="en-US"/>
           </a:p>
@@ -1628,7 +1628,7 @@
           <a:p>
             <a:fld id="{212AF87A-A216-4C97-82F3-F47F8164A505}" type="datetimeFigureOut">
               <a:rPr lang="zh-CN" altLang="en-US" smtClean="0"/>
-              <a:t>2020/3/22</a:t>
+              <a:t>2020/6/15</a:t>
             </a:fld>
             <a:endParaRPr lang="zh-CN" altLang="en-US"/>
           </a:p>
@@ -2022,7 +2022,7 @@
           <a:p>
             <a:fld id="{212AF87A-A216-4C97-82F3-F47F8164A505}" type="datetimeFigureOut">
               <a:rPr lang="zh-CN" altLang="en-US" smtClean="0"/>
-              <a:t>2020/3/22</a:t>
+              <a:t>2020/6/15</a:t>
             </a:fld>
             <a:endParaRPr lang="zh-CN" altLang="en-US"/>
           </a:p>
@@ -2499,7 +2499,7 @@
           <a:p>
             <a:fld id="{212AF87A-A216-4C97-82F3-F47F8164A505}" type="datetimeFigureOut">
               <a:rPr lang="zh-CN" altLang="en-US" smtClean="0"/>
-              <a:t>2020/3/22</a:t>
+              <a:t>2020/6/15</a:t>
             </a:fld>
             <a:endParaRPr lang="zh-CN" altLang="en-US"/>
           </a:p>
@@ -2617,7 +2617,7 @@
           <a:p>
             <a:fld id="{212AF87A-A216-4C97-82F3-F47F8164A505}" type="datetimeFigureOut">
               <a:rPr lang="zh-CN" altLang="en-US" smtClean="0"/>
-              <a:t>2020/3/22</a:t>
+              <a:t>2020/6/15</a:t>
             </a:fld>
             <a:endParaRPr lang="zh-CN" altLang="en-US"/>
           </a:p>
@@ -2712,7 +2712,7 @@
           <a:p>
             <a:fld id="{212AF87A-A216-4C97-82F3-F47F8164A505}" type="datetimeFigureOut">
               <a:rPr lang="zh-CN" altLang="en-US" smtClean="0"/>
-              <a:t>2020/3/22</a:t>
+              <a:t>2020/6/15</a:t>
             </a:fld>
             <a:endParaRPr lang="zh-CN" altLang="en-US"/>
           </a:p>
@@ -3058,7 +3058,7 @@
           <a:p>
             <a:fld id="{212AF87A-A216-4C97-82F3-F47F8164A505}" type="datetimeFigureOut">
               <a:rPr lang="zh-CN" altLang="en-US" smtClean="0"/>
-              <a:t>2020/3/22</a:t>
+              <a:t>2020/6/15</a:t>
             </a:fld>
             <a:endParaRPr lang="zh-CN" altLang="en-US"/>
           </a:p>
@@ -3446,7 +3446,7 @@
           <a:p>
             <a:fld id="{212AF87A-A216-4C97-82F3-F47F8164A505}" type="datetimeFigureOut">
               <a:rPr lang="zh-CN" altLang="en-US" smtClean="0"/>
-              <a:t>2020/3/22</a:t>
+              <a:t>2020/6/15</a:t>
             </a:fld>
             <a:endParaRPr lang="zh-CN" altLang="en-US"/>
           </a:p>
@@ -3724,7 +3724,7 @@
           <a:p>
             <a:fld id="{212AF87A-A216-4C97-82F3-F47F8164A505}" type="datetimeFigureOut">
               <a:rPr lang="zh-CN" altLang="en-US" smtClean="0"/>
-              <a:t>2020/3/22</a:t>
+              <a:t>2020/6/15</a:t>
             </a:fld>
             <a:endParaRPr lang="zh-CN" altLang="en-US"/>
           </a:p>
@@ -4373,7 +4373,7 @@
           <a:p>
             <a:r>
               <a:rPr lang="zh-CN" altLang="en-US" dirty="0"/>
-              <a:t>搬移特性</a:t>
+              <a:t>七、搬移特性</a:t>
             </a:r>
             <a:r>
               <a:rPr lang="en-US" altLang="zh-CN" sz="1400" dirty="0"/>
@@ -4523,7 +4523,7 @@
           <a:p>
             <a:r>
               <a:rPr lang="zh-CN" altLang="en-US" dirty="0"/>
-              <a:t>重新组织数据</a:t>
+              <a:t>八、重新组织数据</a:t>
             </a:r>
             <a:r>
               <a:rPr lang="en-US" altLang="zh-CN" sz="1400" dirty="0"/>
@@ -4649,7 +4649,7 @@
           <a:p>
             <a:r>
               <a:rPr lang="zh-CN" altLang="en-US" dirty="0"/>
-              <a:t>简化条件逻辑</a:t>
+              <a:t>九、简化条件逻辑</a:t>
             </a:r>
             <a:r>
               <a:rPr lang="en-US" altLang="zh-CN" sz="1400" dirty="0"/>
@@ -4781,7 +4781,7 @@
           <a:p>
             <a:r>
               <a:rPr lang="zh-CN" altLang="en-US" dirty="0"/>
-              <a:t>重构</a:t>
+              <a:t>十、重构</a:t>
             </a:r>
             <a:r>
               <a:rPr lang="en-US" altLang="zh-CN" dirty="0"/>
@@ -4943,7 +4943,7 @@
           <a:p>
             <a:r>
               <a:rPr lang="zh-CN" altLang="en-US" dirty="0"/>
-              <a:t>处理继承关系</a:t>
+              <a:t>十一、处理继承关系</a:t>
             </a:r>
             <a:r>
               <a:rPr lang="en-US" altLang="zh-CN" sz="1400" dirty="0"/>
@@ -5237,7 +5237,7 @@
           <a:p>
             <a:r>
               <a:rPr lang="zh-CN" altLang="en-US" dirty="0"/>
-              <a:t>何谓重构</a:t>
+              <a:t>一、何谓重构</a:t>
             </a:r>
           </a:p>
         </p:txBody>
@@ -5421,7 +5421,7 @@
           <a:p>
             <a:r>
               <a:rPr lang="zh-CN" altLang="en-US" dirty="0"/>
-              <a:t>何时重构</a:t>
+              <a:t>二、何时重构</a:t>
             </a:r>
           </a:p>
         </p:txBody>
@@ -5562,7 +5562,7 @@
           <a:p>
             <a:r>
               <a:rPr lang="zh-CN" altLang="en-US" dirty="0"/>
-              <a:t>代码的坏味道</a:t>
+              <a:t>三、代码的坏味道</a:t>
             </a:r>
             <a:r>
               <a:rPr lang="en-US" altLang="zh-CN" sz="1400" dirty="0"/>
@@ -6123,7 +6123,7 @@
           <a:p>
             <a:r>
               <a:rPr lang="zh-CN" altLang="en-US" dirty="0"/>
-              <a:t>常用重构手法</a:t>
+              <a:t>四、常用重构手法</a:t>
             </a:r>
             <a:r>
               <a:rPr lang="en-US" altLang="zh-CN" sz="1400" dirty="0"/>
@@ -6595,7 +6595,7 @@
           <a:p>
             <a:r>
               <a:rPr lang="zh-CN" altLang="en-US" dirty="0"/>
-              <a:t>封装</a:t>
+              <a:t>五、封装</a:t>
             </a:r>
             <a:r>
               <a:rPr lang="en-US" altLang="zh-CN" sz="1400" dirty="0"/>
